--- a/mo-a11y-summit-2018-final.pptx
+++ b/mo-a11y-summit-2018-final.pptx
@@ -280,7 +280,7 @@
           <a:p>
             <a:fld id="{70F68A28-93A5-4C13-B41E-73BB9525FF8F}" type="datetimeFigureOut">
               <a:rPr lang="en-US" smtClean="0"/>
-              <a:t>2018-06-11</a:t>
+              <a:t>2018-06-12</a:t>
             </a:fld>
             <a:endParaRPr lang="en-US"/>
           </a:p>
@@ -457,7 +457,7 @@
           <a:p>
             <a:fld id="{67091976-0AF4-ED4D-ADC4-11066A880F6B}" type="datetimeFigureOut">
               <a:rPr lang="en-US" smtClean="0"/>
-              <a:t>2018-06-11</a:t>
+              <a:t>2018-06-12</a:t>
             </a:fld>
             <a:endParaRPr lang="en-US"/>
           </a:p>
@@ -4138,6 +4138,38 @@
           </a:p>
         </p:txBody>
       </p:sp>
+      <p:pic>
+        <p:nvPicPr>
+          <p:cNvPr id="2" name="Picture 1" title="Creative Commons Attribution-NonCommercial-ShareAlike 3.0 Unported">
+            <a:hlinkClick r:id="rId2"/>
+          </p:cNvPr>
+          <p:cNvPicPr>
+            <a:picLocks noChangeAspect="1"/>
+          </p:cNvPicPr>
+          <p:nvPr/>
+        </p:nvPicPr>
+        <p:blipFill>
+          <a:blip r:embed="rId3">
+            <a:extLst>
+              <a:ext uri="{28A0092B-C50C-407E-A947-70E740481C1C}">
+                <a14:useLocalDpi xmlns:a14="http://schemas.microsoft.com/office/drawing/2010/main" val="0"/>
+              </a:ext>
+            </a:extLst>
+          </a:blip>
+          <a:stretch>
+            <a:fillRect/>
+          </a:stretch>
+        </p:blipFill>
+        <p:spPr>
+          <a:xfrm>
+            <a:off x="8211312" y="6473952"/>
+            <a:ext cx="838200" cy="295275"/>
+          </a:xfrm>
+          <a:prstGeom prst="rect">
+            <a:avLst/>
+          </a:prstGeom>
+        </p:spPr>
+      </p:pic>
     </p:spTree>
     <p:extLst>
       <p:ext uri="{BB962C8B-B14F-4D97-AF65-F5344CB8AC3E}">
